--- a/Monty Hall Problem Simulation.pptx
+++ b/Monty Hall Problem Simulation.pptx
@@ -1202,7 +1202,7 @@
           <a:p>
             <a:fld id="{AFD01546-198A-4195-BCF8-F0FF54C90E5E}" type="datetimeFigureOut">
               <a:rPr lang="en-US" smtClean="0"/>
-              <a:t>12/5/2022</a:t>
+              <a:t>12/26/2022</a:t>
             </a:fld>
             <a:endParaRPr lang="en-US" dirty="0"/>
           </a:p>
@@ -1798,7 +1798,7 @@
           <a:p>
             <a:fld id="{88D38747-4367-4BD2-8D51-C97E202738E2}" type="datetime1">
               <a:rPr lang="en-US" smtClean="0"/>
-              <a:t>12/5/2022</a:t>
+              <a:t>12/26/2022</a:t>
             </a:fld>
             <a:endParaRPr lang="en-US" dirty="0"/>
           </a:p>
@@ -2103,7 +2103,7 @@
           <a:p>
             <a:fld id="{11F1B079-7EF0-44EE-B798-BCC497C9F3B2}" type="datetime1">
               <a:rPr lang="en-US" smtClean="0"/>
-              <a:t>12/5/2022</a:t>
+              <a:t>12/26/2022</a:t>
             </a:fld>
             <a:endParaRPr lang="en-US" dirty="0"/>
           </a:p>
@@ -2297,7 +2297,7 @@
           <a:p>
             <a:fld id="{28FF70A8-1D13-4657-95F0-A9EA54967B8D}" type="datetime1">
               <a:rPr lang="en-US" smtClean="0"/>
-              <a:t>12/5/2022</a:t>
+              <a:t>12/26/2022</a:t>
             </a:fld>
             <a:endParaRPr lang="en-US" dirty="0"/>
           </a:p>
@@ -2560,7 +2560,7 @@
           <a:p>
             <a:fld id="{21EB90AC-71BD-4C7F-8ACA-7B3F18292E63}" type="datetime1">
               <a:rPr lang="en-US" smtClean="0"/>
-              <a:t>12/5/2022</a:t>
+              <a:t>12/26/2022</a:t>
             </a:fld>
             <a:endParaRPr lang="en-US" dirty="0"/>
           </a:p>
@@ -2996,7 +2996,7 @@
           <a:p>
             <a:fld id="{4E6EFC2C-8905-46F0-B443-CE905B76BA01}" type="datetime1">
               <a:rPr lang="en-US" smtClean="0"/>
-              <a:t>12/5/2022</a:t>
+              <a:t>12/26/2022</a:t>
             </a:fld>
             <a:endParaRPr lang="en-US" dirty="0"/>
           </a:p>
@@ -3533,7 +3533,7 @@
           <a:p>
             <a:fld id="{D9079DC3-C9B5-499E-9140-0DC28B7074E2}" type="datetime1">
               <a:rPr lang="en-US" smtClean="0"/>
-              <a:t>12/5/2022</a:t>
+              <a:t>12/26/2022</a:t>
             </a:fld>
             <a:endParaRPr lang="en-US" dirty="0"/>
           </a:p>
@@ -4415,7 +4415,7 @@
           <a:p>
             <a:fld id="{30BB33EA-E472-4D22-9C03-A9C14AA21CED}" type="datetime1">
               <a:rPr lang="en-US" smtClean="0"/>
-              <a:t>12/5/2022</a:t>
+              <a:t>12/26/2022</a:t>
             </a:fld>
             <a:endParaRPr lang="en-US" dirty="0"/>
           </a:p>
@@ -4585,7 +4585,7 @@
           <a:p>
             <a:fld id="{73C55A3C-5767-4844-A0A3-83778C2E5409}" type="datetime1">
               <a:rPr lang="en-US" smtClean="0"/>
-              <a:t>12/5/2022</a:t>
+              <a:t>12/26/2022</a:t>
             </a:fld>
             <a:endParaRPr lang="en-US" dirty="0"/>
           </a:p>
@@ -4829,7 +4829,7 @@
           <a:p>
             <a:fld id="{CAE507A8-A5CF-4D38-AB86-7EDDA87A85D4}" type="datetime1">
               <a:rPr lang="en-US" smtClean="0"/>
-              <a:t>12/5/2022</a:t>
+              <a:t>12/26/2022</a:t>
             </a:fld>
             <a:endParaRPr lang="en-US" dirty="0"/>
           </a:p>
@@ -5071,7 +5071,7 @@
           <a:p>
             <a:fld id="{BDFCD27C-8599-43EF-BA1D-14DDC1946E06}" type="datetime1">
               <a:rPr lang="en-US" smtClean="0"/>
-              <a:t>12/5/2022</a:t>
+              <a:t>12/26/2022</a:t>
             </a:fld>
             <a:endParaRPr lang="en-US" dirty="0"/>
           </a:p>
@@ -5554,7 +5554,7 @@
           <a:p>
             <a:fld id="{49343D99-809A-49C0-96E5-4250D0B498EE}" type="datetime1">
               <a:rPr lang="en-US" smtClean="0"/>
-              <a:t>12/5/2022</a:t>
+              <a:t>12/26/2022</a:t>
             </a:fld>
             <a:endParaRPr lang="en-US" dirty="0"/>
           </a:p>
@@ -5672,7 +5672,7 @@
           <a:p>
             <a:fld id="{A143DE9B-B678-4EFB-BB7D-A4370204A0B0}" type="datetime1">
               <a:rPr lang="en-US" smtClean="0"/>
-              <a:t>12/5/2022</a:t>
+              <a:t>12/26/2022</a:t>
             </a:fld>
             <a:endParaRPr lang="en-US" dirty="0"/>
           </a:p>
@@ -5767,7 +5767,7 @@
           <a:p>
             <a:fld id="{E68812DA-F765-4142-A6A3-A8ED7235E082}" type="datetime1">
               <a:rPr lang="en-US" smtClean="0"/>
-              <a:t>12/5/2022</a:t>
+              <a:t>12/26/2022</a:t>
             </a:fld>
             <a:endParaRPr lang="en-US" dirty="0"/>
           </a:p>
@@ -6022,7 +6022,7 @@
           <a:p>
             <a:fld id="{3E0277FD-7DE6-41D4-930D-AC99F5AFE54E}" type="datetime1">
               <a:rPr lang="en-US" smtClean="0"/>
-              <a:t>12/5/2022</a:t>
+              <a:t>12/26/2022</a:t>
             </a:fld>
             <a:endParaRPr lang="en-US" dirty="0"/>
           </a:p>
@@ -6329,7 +6329,7 @@
           <a:p>
             <a:fld id="{9EA15526-7079-4B7B-987C-1B5FAE11A0FF}" type="datetime1">
               <a:rPr lang="en-US" smtClean="0"/>
-              <a:t>12/5/2022</a:t>
+              <a:t>12/26/2022</a:t>
             </a:fld>
             <a:endParaRPr lang="en-US" dirty="0"/>
           </a:p>
@@ -6564,7 +6564,7 @@
           <a:p>
             <a:fld id="{073ED0CC-082F-4160-86E5-0D6041F12778}" type="datetime1">
               <a:rPr lang="en-US" smtClean="0"/>
-              <a:t>12/5/2022</a:t>
+              <a:t>12/26/2022</a:t>
             </a:fld>
             <a:endParaRPr lang="en-US" dirty="0"/>
           </a:p>
@@ -11565,7 +11565,7 @@
         </p:nvSpPr>
         <p:spPr>
           <a:xfrm>
-            <a:off x="8954367" y="1408265"/>
+            <a:off x="7604704" y="1408265"/>
             <a:ext cx="3068437" cy="422910"/>
           </a:xfrm>
         </p:spPr>
@@ -11586,66 +11586,6 @@
           </a:p>
         </p:txBody>
       </p:sp>
-      <p:pic>
-        <p:nvPicPr>
-          <p:cNvPr id="9" name="Picture 8">
-            <a:extLst>
-              <a:ext uri="{FF2B5EF4-FFF2-40B4-BE49-F238E27FC236}">
-                <a16:creationId xmlns:a16="http://schemas.microsoft.com/office/drawing/2014/main" id="{54EE7043-2ADF-A5A0-0EA3-44DA90BA33F3}"/>
-              </a:ext>
-            </a:extLst>
-          </p:cNvPr>
-          <p:cNvPicPr>
-            <a:picLocks noChangeAspect="1"/>
-          </p:cNvPicPr>
-          <p:nvPr/>
-        </p:nvPicPr>
-        <p:blipFill>
-          <a:blip r:embed="rId2"/>
-          <a:stretch>
-            <a:fillRect/>
-          </a:stretch>
-        </p:blipFill>
-        <p:spPr>
-          <a:xfrm>
-            <a:off x="3226984" y="1408265"/>
-            <a:ext cx="5727383" cy="2394114"/>
-          </a:xfrm>
-          <a:prstGeom prst="rect">
-            <a:avLst/>
-          </a:prstGeom>
-        </p:spPr>
-      </p:pic>
-      <p:pic>
-        <p:nvPicPr>
-          <p:cNvPr id="13" name="Picture 12">
-            <a:extLst>
-              <a:ext uri="{FF2B5EF4-FFF2-40B4-BE49-F238E27FC236}">
-                <a16:creationId xmlns:a16="http://schemas.microsoft.com/office/drawing/2014/main" id="{63DACB98-ED1B-AF76-E114-07311368EA4D}"/>
-              </a:ext>
-            </a:extLst>
-          </p:cNvPr>
-          <p:cNvPicPr>
-            <a:picLocks noChangeAspect="1"/>
-          </p:cNvPicPr>
-          <p:nvPr/>
-        </p:nvPicPr>
-        <p:blipFill>
-          <a:blip r:embed="rId3"/>
-          <a:stretch>
-            <a:fillRect/>
-          </a:stretch>
-        </p:blipFill>
-        <p:spPr>
-          <a:xfrm>
-            <a:off x="3187020" y="4065270"/>
-            <a:ext cx="5807310" cy="2394114"/>
-          </a:xfrm>
-          <a:prstGeom prst="rect">
-            <a:avLst/>
-          </a:prstGeom>
-        </p:spPr>
-      </p:pic>
       <p:sp>
         <p:nvSpPr>
           <p:cNvPr id="14" name="Content Placeholder 3">
@@ -11662,7 +11602,7 @@
         </p:nvSpPr>
         <p:spPr>
           <a:xfrm>
-            <a:off x="8954367" y="4065270"/>
+            <a:off x="1579816" y="1408265"/>
             <a:ext cx="3068437" cy="422910"/>
           </a:xfrm>
           <a:prstGeom prst="rect">
@@ -12034,12 +11974,72 @@
             </a:pPr>
             <a:r>
               <a:rPr lang="he-IL" dirty="0"/>
-              <a:t>לאחר מכן, יוצג לו העז</a:t>
+              <a:t>לאחר מכן, יוצג לו היכן העז</a:t>
             </a:r>
             <a:endParaRPr lang="en-IL" dirty="0"/>
           </a:p>
         </p:txBody>
       </p:sp>
+      <p:pic>
+        <p:nvPicPr>
+          <p:cNvPr id="7" name="Picture 6">
+            <a:extLst>
+              <a:ext uri="{FF2B5EF4-FFF2-40B4-BE49-F238E27FC236}">
+                <a16:creationId xmlns:a16="http://schemas.microsoft.com/office/drawing/2014/main" id="{54B0AEBB-2E67-3DE5-D218-227A5C455102}"/>
+              </a:ext>
+            </a:extLst>
+          </p:cNvPr>
+          <p:cNvPicPr>
+            <a:picLocks noChangeAspect="1"/>
+          </p:cNvPicPr>
+          <p:nvPr/>
+        </p:nvPicPr>
+        <p:blipFill>
+          <a:blip r:embed="rId2"/>
+          <a:stretch>
+            <a:fillRect/>
+          </a:stretch>
+        </p:blipFill>
+        <p:spPr>
+          <a:xfrm>
+            <a:off x="6441107" y="2405050"/>
+            <a:ext cx="5395632" cy="4125583"/>
+          </a:xfrm>
+          <a:prstGeom prst="rect">
+            <a:avLst/>
+          </a:prstGeom>
+        </p:spPr>
+      </p:pic>
+      <p:pic>
+        <p:nvPicPr>
+          <p:cNvPr id="10" name="Picture 9">
+            <a:extLst>
+              <a:ext uri="{FF2B5EF4-FFF2-40B4-BE49-F238E27FC236}">
+                <a16:creationId xmlns:a16="http://schemas.microsoft.com/office/drawing/2014/main" id="{65580BE3-815F-FF86-DAA2-E38F81E532FE}"/>
+              </a:ext>
+            </a:extLst>
+          </p:cNvPr>
+          <p:cNvPicPr>
+            <a:picLocks noChangeAspect="1"/>
+          </p:cNvPicPr>
+          <p:nvPr/>
+        </p:nvPicPr>
+        <p:blipFill>
+          <a:blip r:embed="rId3"/>
+          <a:stretch>
+            <a:fillRect/>
+          </a:stretch>
+        </p:blipFill>
+        <p:spPr>
+          <a:xfrm>
+            <a:off x="355261" y="2405050"/>
+            <a:ext cx="5517548" cy="4125583"/>
+          </a:xfrm>
+          <a:prstGeom prst="rect">
+            <a:avLst/>
+          </a:prstGeom>
+        </p:spPr>
+      </p:pic>
     </p:spTree>
     <p:extLst>
       <p:ext uri="{BB962C8B-B14F-4D97-AF65-F5344CB8AC3E}">
@@ -12260,36 +12260,6 @@
           </a:p>
         </p:txBody>
       </p:sp>
-      <p:pic>
-        <p:nvPicPr>
-          <p:cNvPr id="3" name="Picture 2">
-            <a:extLst>
-              <a:ext uri="{FF2B5EF4-FFF2-40B4-BE49-F238E27FC236}">
-                <a16:creationId xmlns:a16="http://schemas.microsoft.com/office/drawing/2014/main" id="{AA91C4EA-2824-F45E-B936-8B433A08B241}"/>
-              </a:ext>
-            </a:extLst>
-          </p:cNvPr>
-          <p:cNvPicPr>
-            <a:picLocks noChangeAspect="1"/>
-          </p:cNvPicPr>
-          <p:nvPr/>
-        </p:nvPicPr>
-        <p:blipFill>
-          <a:blip r:embed="rId2"/>
-          <a:stretch>
-            <a:fillRect/>
-          </a:stretch>
-        </p:blipFill>
-        <p:spPr>
-          <a:xfrm>
-            <a:off x="1371387" y="1423506"/>
-            <a:ext cx="7676995" cy="3171353"/>
-          </a:xfrm>
-          <a:prstGeom prst="rect">
-            <a:avLst/>
-          </a:prstGeom>
-        </p:spPr>
-      </p:pic>
       <p:sp>
         <p:nvSpPr>
           <p:cNvPr id="5" name="Content Placeholder 3">
@@ -12306,7 +12276,7 @@
         </p:nvSpPr>
         <p:spPr>
           <a:xfrm>
-            <a:off x="1615440" y="4761065"/>
+            <a:off x="1756117" y="5371750"/>
             <a:ext cx="7091246" cy="1456855"/>
           </a:xfrm>
           <a:prstGeom prst="rect">
@@ -12678,11 +12648,41 @@
             </a:pPr>
             <a:r>
               <a:rPr lang="he-IL" dirty="0"/>
-              <a:t>קיימים גם נתונים סטטיסטים כדי להמחיש באמת איזה בחירה יותר טובה כדי לנצח, האם להחליף דלת או לא!</a:t>
-            </a:r>
-          </a:p>
-        </p:txBody>
-      </p:sp>
+              <a:t>קיימים גם נתונים סטטיסטים כדי להמחיש באמת איזה בחירה יותר טובה כדי לנצח, האם להחליף דלת או לא</a:t>
+            </a:r>
+          </a:p>
+        </p:txBody>
+      </p:sp>
+      <p:pic>
+        <p:nvPicPr>
+          <p:cNvPr id="7" name="Picture 6">
+            <a:extLst>
+              <a:ext uri="{FF2B5EF4-FFF2-40B4-BE49-F238E27FC236}">
+                <a16:creationId xmlns:a16="http://schemas.microsoft.com/office/drawing/2014/main" id="{1AF74EBE-BD62-9360-8896-FF6031554FFB}"/>
+              </a:ext>
+            </a:extLst>
+          </p:cNvPr>
+          <p:cNvPicPr>
+            <a:picLocks noChangeAspect="1"/>
+          </p:cNvPicPr>
+          <p:nvPr/>
+        </p:nvPicPr>
+        <p:blipFill>
+          <a:blip r:embed="rId2"/>
+          <a:stretch>
+            <a:fillRect/>
+          </a:stretch>
+        </p:blipFill>
+        <p:spPr>
+          <a:xfrm>
+            <a:off x="2590814" y="1257300"/>
+            <a:ext cx="5421851" cy="4131333"/>
+          </a:xfrm>
+          <a:prstGeom prst="rect">
+            <a:avLst/>
+          </a:prstGeom>
+        </p:spPr>
+      </p:pic>
     </p:spTree>
     <p:extLst>
       <p:ext uri="{BB962C8B-B14F-4D97-AF65-F5344CB8AC3E}">
@@ -13306,66 +13306,6 @@
           </a:p>
         </p:txBody>
       </p:sp>
-      <p:pic>
-        <p:nvPicPr>
-          <p:cNvPr id="7" name="Picture 6">
-            <a:extLst>
-              <a:ext uri="{FF2B5EF4-FFF2-40B4-BE49-F238E27FC236}">
-                <a16:creationId xmlns:a16="http://schemas.microsoft.com/office/drawing/2014/main" id="{8893E6BF-FF0E-5A82-F0FA-0F1C6BBB9C4C}"/>
-              </a:ext>
-            </a:extLst>
-          </p:cNvPr>
-          <p:cNvPicPr>
-            <a:picLocks noChangeAspect="1"/>
-          </p:cNvPicPr>
-          <p:nvPr/>
-        </p:nvPicPr>
-        <p:blipFill>
-          <a:blip r:embed="rId2"/>
-          <a:stretch>
-            <a:fillRect/>
-          </a:stretch>
-        </p:blipFill>
-        <p:spPr>
-          <a:xfrm>
-            <a:off x="5658256" y="1408265"/>
-            <a:ext cx="3296111" cy="2667000"/>
-          </a:xfrm>
-          <a:prstGeom prst="rect">
-            <a:avLst/>
-          </a:prstGeom>
-        </p:spPr>
-      </p:pic>
-      <p:pic>
-        <p:nvPicPr>
-          <p:cNvPr id="10" name="Picture 9">
-            <a:extLst>
-              <a:ext uri="{FF2B5EF4-FFF2-40B4-BE49-F238E27FC236}">
-                <a16:creationId xmlns:a16="http://schemas.microsoft.com/office/drawing/2014/main" id="{A531907B-EF1F-6FAB-2A6C-FF7793753976}"/>
-              </a:ext>
-            </a:extLst>
-          </p:cNvPr>
-          <p:cNvPicPr>
-            <a:picLocks noChangeAspect="1"/>
-          </p:cNvPicPr>
-          <p:nvPr/>
-        </p:nvPicPr>
-        <p:blipFill>
-          <a:blip r:embed="rId3"/>
-          <a:stretch>
-            <a:fillRect/>
-          </a:stretch>
-        </p:blipFill>
-        <p:spPr>
-          <a:xfrm>
-            <a:off x="3389862" y="4225277"/>
-            <a:ext cx="5564505" cy="2303686"/>
-          </a:xfrm>
-          <a:prstGeom prst="rect">
-            <a:avLst/>
-          </a:prstGeom>
-        </p:spPr>
-      </p:pic>
       <p:sp>
         <p:nvSpPr>
           <p:cNvPr id="11" name="Content Placeholder 3">
@@ -13760,6 +13700,66 @@
           </a:p>
         </p:txBody>
       </p:sp>
+      <p:pic>
+        <p:nvPicPr>
+          <p:cNvPr id="3" name="Picture 2">
+            <a:extLst>
+              <a:ext uri="{FF2B5EF4-FFF2-40B4-BE49-F238E27FC236}">
+                <a16:creationId xmlns:a16="http://schemas.microsoft.com/office/drawing/2014/main" id="{56912928-56FF-85A1-2453-9FA7396EBAA8}"/>
+              </a:ext>
+            </a:extLst>
+          </p:cNvPr>
+          <p:cNvPicPr>
+            <a:picLocks noChangeAspect="1"/>
+          </p:cNvPicPr>
+          <p:nvPr/>
+        </p:nvPicPr>
+        <p:blipFill>
+          <a:blip r:embed="rId2"/>
+          <a:stretch>
+            <a:fillRect/>
+          </a:stretch>
+        </p:blipFill>
+        <p:spPr>
+          <a:xfrm>
+            <a:off x="5371426" y="1407788"/>
+            <a:ext cx="3582941" cy="2667001"/>
+          </a:xfrm>
+          <a:prstGeom prst="rect">
+            <a:avLst/>
+          </a:prstGeom>
+        </p:spPr>
+      </p:pic>
+      <p:pic>
+        <p:nvPicPr>
+          <p:cNvPr id="8" name="Picture 7">
+            <a:extLst>
+              <a:ext uri="{FF2B5EF4-FFF2-40B4-BE49-F238E27FC236}">
+                <a16:creationId xmlns:a16="http://schemas.microsoft.com/office/drawing/2014/main" id="{C69574CB-38A0-5930-733F-1913C96AE54F}"/>
+              </a:ext>
+            </a:extLst>
+          </p:cNvPr>
+          <p:cNvPicPr>
+            <a:picLocks noChangeAspect="1"/>
+          </p:cNvPicPr>
+          <p:nvPr/>
+        </p:nvPicPr>
+        <p:blipFill>
+          <a:blip r:embed="rId3"/>
+          <a:stretch>
+            <a:fillRect/>
+          </a:stretch>
+        </p:blipFill>
+        <p:spPr>
+          <a:xfrm>
+            <a:off x="2942491" y="4225278"/>
+            <a:ext cx="6011875" cy="2489410"/>
+          </a:xfrm>
+          <a:prstGeom prst="rect">
+            <a:avLst/>
+          </a:prstGeom>
+        </p:spPr>
+      </p:pic>
     </p:spTree>
     <p:extLst>
       <p:ext uri="{BB962C8B-B14F-4D97-AF65-F5344CB8AC3E}">
@@ -14337,6 +14337,24 @@
 </file>
 
 <file path=customXml/item1.xml><?xml version="1.0" encoding="utf-8"?>
+<p:properties xmlns:p="http://schemas.microsoft.com/office/2006/metadata/properties" xmlns:xsi="http://www.w3.org/2001/XMLSchema-instance" xmlns:pc="http://schemas.microsoft.com/office/infopath/2007/PartnerControls">
+  <documentManagement>
+    <Status xmlns="71af3243-3dd4-4a8d-8c0d-dd76da1f02a5">Not started</Status>
+    <MediaServiceKeyPoints xmlns="71af3243-3dd4-4a8d-8c0d-dd76da1f02a5" xsi:nil="true"/>
+  </documentManagement>
+</p:properties>
+</file>
+
+<file path=customXml/item2.xml><?xml version="1.0" encoding="utf-8"?>
+<?mso-contentType ?>
+<FormTemplates xmlns="http://schemas.microsoft.com/sharepoint/v3/contenttype/forms">
+  <Display>DocumentLibraryForm</Display>
+  <Edit>DocumentLibraryForm</Edit>
+  <New>DocumentLibraryForm</New>
+</FormTemplates>
+</file>
+
+<file path=customXml/item3.xml><?xml version="1.0" encoding="utf-8"?>
 <ct:contentTypeSchema xmlns:ct="http://schemas.microsoft.com/office/2006/metadata/contentType" xmlns:ma="http://schemas.microsoft.com/office/2006/metadata/properties/metaAttributes" ct:_="" ma:_="" ma:contentTypeName="Document" ma:contentTypeID="0x01010079F111ED35F8CC479449609E8A0923A6" ma:contentTypeVersion="12" ma:contentTypeDescription="Create a new document." ma:contentTypeScope="" ma:versionID="a410dd7f93c95333ffa1b60ed6adedd1">
   <xsd:schema xmlns:xsd="http://www.w3.org/2001/XMLSchema" xmlns:xs="http://www.w3.org/2001/XMLSchema" xmlns:p="http://schemas.microsoft.com/office/2006/metadata/properties" xmlns:ns2="71af3243-3dd4-4a8d-8c0d-dd76da1f02a5" xmlns:ns3="16c05727-aa75-4e4a-9b5f-8a80a1165891" targetNamespace="http://schemas.microsoft.com/office/2006/metadata/properties" ma:root="true" ma:fieldsID="a936d9baba76aa3866493feff160faab" ns2:_="" ns3:_="">
     <xsd:import namespace="71af3243-3dd4-4a8d-8c0d-dd76da1f02a5"/>
@@ -14557,25 +14575,25 @@
 </ct:contentTypeSchema>
 </file>
 
-<file path=customXml/item2.xml><?xml version="1.0" encoding="utf-8"?>
-<?mso-contentType ?>
-<FormTemplates xmlns="http://schemas.microsoft.com/sharepoint/v3/contenttype/forms">
-  <Display>DocumentLibraryForm</Display>
-  <Edit>DocumentLibraryForm</Edit>
-  <New>DocumentLibraryForm</New>
-</FormTemplates>
+<file path=customXml/itemProps1.xml><?xml version="1.0" encoding="utf-8"?>
+<ds:datastoreItem xmlns:ds="http://schemas.openxmlformats.org/officeDocument/2006/customXml" ds:itemID="{2C4C00F4-06E9-43E3-AD97-88A857CEFA82}">
+  <ds:schemaRefs>
+    <ds:schemaRef ds:uri="http://schemas.microsoft.com/office/2006/metadata/properties"/>
+    <ds:schemaRef ds:uri="http://schemas.microsoft.com/office/infopath/2007/PartnerControls"/>
+    <ds:schemaRef ds:uri="71af3243-3dd4-4a8d-8c0d-dd76da1f02a5"/>
+  </ds:schemaRefs>
+</ds:datastoreItem>
 </file>
 
-<file path=customXml/item3.xml><?xml version="1.0" encoding="utf-8"?>
-<p:properties xmlns:p="http://schemas.microsoft.com/office/2006/metadata/properties" xmlns:xsi="http://www.w3.org/2001/XMLSchema-instance" xmlns:pc="http://schemas.microsoft.com/office/infopath/2007/PartnerControls">
-  <documentManagement>
-    <Status xmlns="71af3243-3dd4-4a8d-8c0d-dd76da1f02a5">Not started</Status>
-    <MediaServiceKeyPoints xmlns="71af3243-3dd4-4a8d-8c0d-dd76da1f02a5" xsi:nil="true"/>
-  </documentManagement>
-</p:properties>
+<file path=customXml/itemProps2.xml><?xml version="1.0" encoding="utf-8"?>
+<ds:datastoreItem xmlns:ds="http://schemas.openxmlformats.org/officeDocument/2006/customXml" ds:itemID="{64B270AB-C138-415C-897E-3C24487DECF1}">
+  <ds:schemaRefs>
+    <ds:schemaRef ds:uri="http://schemas.microsoft.com/sharepoint/v3/contenttype/forms"/>
+  </ds:schemaRefs>
+</ds:datastoreItem>
 </file>
 
-<file path=customXml/itemProps1.xml><?xml version="1.0" encoding="utf-8"?>
+<file path=customXml/itemProps3.xml><?xml version="1.0" encoding="utf-8"?>
 <ds:datastoreItem xmlns:ds="http://schemas.openxmlformats.org/officeDocument/2006/customXml" ds:itemID="{0585E981-8C91-4205-A0C3-C991F42B4C9E}">
   <ds:schemaRefs>
     <ds:schemaRef ds:uri="http://schemas.microsoft.com/office/2006/metadata/contentType"/>
@@ -14592,22 +14610,4 @@
     <ds:schemaRef ds:uri="http://schemas.microsoft.com/internal/obd"/>
   </ds:schemaRefs>
 </ds:datastoreItem>
-</file>
-
-<file path=customXml/itemProps2.xml><?xml version="1.0" encoding="utf-8"?>
-<ds:datastoreItem xmlns:ds="http://schemas.openxmlformats.org/officeDocument/2006/customXml" ds:itemID="{64B270AB-C138-415C-897E-3C24487DECF1}">
-  <ds:schemaRefs>
-    <ds:schemaRef ds:uri="http://schemas.microsoft.com/sharepoint/v3/contenttype/forms"/>
-  </ds:schemaRefs>
-</ds:datastoreItem>
-</file>
-
-<file path=customXml/itemProps3.xml><?xml version="1.0" encoding="utf-8"?>
-<ds:datastoreItem xmlns:ds="http://schemas.openxmlformats.org/officeDocument/2006/customXml" ds:itemID="{2C4C00F4-06E9-43E3-AD97-88A857CEFA82}">
-  <ds:schemaRefs>
-    <ds:schemaRef ds:uri="http://schemas.microsoft.com/office/2006/metadata/properties"/>
-    <ds:schemaRef ds:uri="http://schemas.microsoft.com/office/infopath/2007/PartnerControls"/>
-    <ds:schemaRef ds:uri="71af3243-3dd4-4a8d-8c0d-dd76da1f02a5"/>
-  </ds:schemaRefs>
-</ds:datastoreItem>
 </file>